--- a/Week-1/Day-2/Azure_Storage_Deep_Dive.pptx
+++ b/Week-1/Day-2/Azure_Storage_Deep_Dive.pptx
@@ -7,17 +7,18 @@
   <p:sldIdLst>
     <p:sldId id="256" r:id="rId2"/>
     <p:sldId id="257" r:id="rId3"/>
-    <p:sldId id="258" r:id="rId4"/>
-    <p:sldId id="259" r:id="rId5"/>
-    <p:sldId id="260" r:id="rId6"/>
-    <p:sldId id="261" r:id="rId7"/>
-    <p:sldId id="262" r:id="rId8"/>
-    <p:sldId id="263" r:id="rId9"/>
-    <p:sldId id="264" r:id="rId10"/>
-    <p:sldId id="265" r:id="rId11"/>
-    <p:sldId id="266" r:id="rId12"/>
-    <p:sldId id="267" r:id="rId13"/>
-    <p:sldId id="268" r:id="rId14"/>
+    <p:sldId id="269" r:id="rId4"/>
+    <p:sldId id="258" r:id="rId5"/>
+    <p:sldId id="259" r:id="rId6"/>
+    <p:sldId id="260" r:id="rId7"/>
+    <p:sldId id="261" r:id="rId8"/>
+    <p:sldId id="262" r:id="rId9"/>
+    <p:sldId id="263" r:id="rId10"/>
+    <p:sldId id="264" r:id="rId11"/>
+    <p:sldId id="265" r:id="rId12"/>
+    <p:sldId id="266" r:id="rId13"/>
+    <p:sldId id="267" r:id="rId14"/>
+    <p:sldId id="268" r:id="rId15"/>
   </p:sldIdLst>
   <p:sldSz cx="9144000" cy="6858000" type="screen4x3"/>
   <p:notesSz cx="6858000" cy="9144000"/>
@@ -16395,6 +16396,88 @@
           <a:lstStyle/>
           <a:p>
             <a:r>
+              <a:t>RBAC Roles for Storage</a:t>
+            </a:r>
+          </a:p>
+        </p:txBody>
+      </p:sp>
+      <p:sp>
+        <p:nvSpPr>
+          <p:cNvPr id="3" name="Content Placeholder 2"/>
+          <p:cNvSpPr>
+            <a:spLocks noGrp="1"/>
+          </p:cNvSpPr>
+          <p:nvPr>
+            <p:ph idx="1"/>
+          </p:nvPr>
+        </p:nvSpPr>
+        <p:spPr/>
+        <p:txBody>
+          <a:bodyPr/>
+          <a:lstStyle/>
+          <a:p>
+            <a:r>
+              <a:t>Storage Blob Data Owner: Full access to blob data.</a:t>
+            </a:r>
+          </a:p>
+          <a:p>
+            <a:r>
+              <a:t>Storage Blob Data Contributor: Read/write/delete blobs.</a:t>
+            </a:r>
+          </a:p>
+          <a:p>
+            <a:r>
+              <a:t>Storage Blob Data Reader: Read-only access.</a:t>
+            </a:r>
+          </a:p>
+          <a:p>
+            <a:r>
+              <a:t>Storage Queue/Table/File roles also available.</a:t>
+            </a:r>
+          </a:p>
+        </p:txBody>
+      </p:sp>
+    </p:spTree>
+  </p:cSld>
+  <p:clrMapOvr>
+    <a:masterClrMapping/>
+  </p:clrMapOvr>
+</p:sld>
+</file>
+
+<file path=ppt/slides/slide11.xml><?xml version="1.0" encoding="utf-8"?>
+<p:sld xmlns:a="http://schemas.openxmlformats.org/drawingml/2006/main" xmlns:r="http://schemas.openxmlformats.org/officeDocument/2006/relationships" xmlns:p="http://schemas.openxmlformats.org/presentationml/2006/main">
+  <p:cSld>
+    <p:spTree>
+      <p:nvGrpSpPr>
+        <p:cNvPr id="1" name=""/>
+        <p:cNvGrpSpPr/>
+        <p:nvPr/>
+      </p:nvGrpSpPr>
+      <p:grpSpPr>
+        <a:xfrm>
+          <a:off x="0" y="0"/>
+          <a:ext cx="0" cy="0"/>
+          <a:chOff x="0" y="0"/>
+          <a:chExt cx="0" cy="0"/>
+        </a:xfrm>
+      </p:grpSpPr>
+      <p:sp>
+        <p:nvSpPr>
+          <p:cNvPr id="2" name="Title 1"/>
+          <p:cNvSpPr>
+            <a:spLocks noGrp="1"/>
+          </p:cNvSpPr>
+          <p:nvPr>
+            <p:ph type="title"/>
+          </p:nvPr>
+        </p:nvSpPr>
+        <p:spPr/>
+        <p:txBody>
+          <a:bodyPr/>
+          <a:lstStyle/>
+          <a:p>
+            <a:r>
               <a:t>Lifecycle Management &amp; Cost Optimization</a:t>
             </a:r>
           </a:p>
@@ -16439,7 +16522,7 @@
 </p:sld>
 </file>
 
-<file path=ppt/slides/slide11.xml><?xml version="1.0" encoding="utf-8"?>
+<file path=ppt/slides/slide12.xml><?xml version="1.0" encoding="utf-8"?>
 <p:sld xmlns:a="http://schemas.openxmlformats.org/drawingml/2006/main" xmlns:r="http://schemas.openxmlformats.org/officeDocument/2006/relationships" xmlns:p="http://schemas.openxmlformats.org/presentationml/2006/main">
   <p:cSld>
     <p:spTree>
@@ -16521,7 +16604,7 @@
 </p:sld>
 </file>
 
-<file path=ppt/slides/slide12.xml><?xml version="1.0" encoding="utf-8"?>
+<file path=ppt/slides/slide13.xml><?xml version="1.0" encoding="utf-8"?>
 <p:sld xmlns:a="http://schemas.openxmlformats.org/drawingml/2006/main" xmlns:r="http://schemas.openxmlformats.org/officeDocument/2006/relationships" xmlns:p="http://schemas.openxmlformats.org/presentationml/2006/main">
   <p:cSld>
     <p:spTree>
@@ -16598,7 +16681,7 @@
 </p:sld>
 </file>
 
-<file path=ppt/slides/slide13.xml><?xml version="1.0" encoding="utf-8"?>
+<file path=ppt/slides/slide14.xml><?xml version="1.0" encoding="utf-8"?>
 <p:sld xmlns:a="http://schemas.openxmlformats.org/drawingml/2006/main" xmlns:r="http://schemas.openxmlformats.org/officeDocument/2006/relationships" xmlns:p="http://schemas.openxmlformats.org/presentationml/2006/main">
   <p:cSld>
     <p:spTree>
@@ -16769,6 +16852,1498 @@
           <a:chExt cx="0" cy="0"/>
         </a:xfrm>
       </p:grpSpPr>
+      <p:graphicFrame>
+        <p:nvGraphicFramePr>
+          <p:cNvPr id="6" name="Content Placeholder 5">
+            <a:extLst>
+              <a:ext uri="{FF2B5EF4-FFF2-40B4-BE49-F238E27FC236}">
+                <a16:creationId xmlns:a16="http://schemas.microsoft.com/office/drawing/2014/main" id="{22FD4C1A-4854-C919-B4DC-56D84A20599F}"/>
+              </a:ext>
+            </a:extLst>
+          </p:cNvPr>
+          <p:cNvGraphicFramePr>
+            <a:graphicFrameLocks noGrp="1"/>
+          </p:cNvGraphicFramePr>
+          <p:nvPr>
+            <p:ph idx="1"/>
+            <p:extLst>
+              <p:ext uri="{D42A27DB-BD31-4B8C-83A1-F6EECF244321}">
+                <p14:modId xmlns:p14="http://schemas.microsoft.com/office/powerpoint/2010/main" val="3786003247"/>
+              </p:ext>
+            </p:extLst>
+          </p:nvPr>
+        </p:nvGraphicFramePr>
+        <p:xfrm>
+          <a:off x="768349" y="785191"/>
+          <a:ext cx="7719668" cy="5487593"/>
+        </p:xfrm>
+        <a:graphic>
+          <a:graphicData uri="http://schemas.openxmlformats.org/drawingml/2006/table">
+            <a:tbl>
+              <a:tblPr firstRow="1" firstCol="1" bandRow="1">
+                <a:tableStyleId>{5C22544A-7EE6-4342-B048-85BDC9FD1C3A}</a:tableStyleId>
+              </a:tblPr>
+              <a:tblGrid>
+                <a:gridCol w="1929917">
+                  <a:extLst>
+                    <a:ext uri="{9D8B030D-6E8A-4147-A177-3AD203B41FA5}">
+                      <a16:colId xmlns:a16="http://schemas.microsoft.com/office/drawing/2014/main" val="3304098045"/>
+                    </a:ext>
+                  </a:extLst>
+                </a:gridCol>
+                <a:gridCol w="1929917">
+                  <a:extLst>
+                    <a:ext uri="{9D8B030D-6E8A-4147-A177-3AD203B41FA5}">
+                      <a16:colId xmlns:a16="http://schemas.microsoft.com/office/drawing/2014/main" val="1189801858"/>
+                    </a:ext>
+                  </a:extLst>
+                </a:gridCol>
+                <a:gridCol w="1929917">
+                  <a:extLst>
+                    <a:ext uri="{9D8B030D-6E8A-4147-A177-3AD203B41FA5}">
+                      <a16:colId xmlns:a16="http://schemas.microsoft.com/office/drawing/2014/main" val="807243092"/>
+                    </a:ext>
+                  </a:extLst>
+                </a:gridCol>
+                <a:gridCol w="1929917">
+                  <a:extLst>
+                    <a:ext uri="{9D8B030D-6E8A-4147-A177-3AD203B41FA5}">
+                      <a16:colId xmlns:a16="http://schemas.microsoft.com/office/drawing/2014/main" val="4117062917"/>
+                    </a:ext>
+                  </a:extLst>
+                </a:gridCol>
+              </a:tblGrid>
+              <a:tr h="327119">
+                <a:tc>
+                  <a:txBody>
+                    <a:bodyPr/>
+                    <a:lstStyle/>
+                    <a:p>
+                      <a:pPr>
+                        <a:lnSpc>
+                          <a:spcPct val="115000"/>
+                        </a:lnSpc>
+                        <a:spcAft>
+                          <a:spcPts val="1000"/>
+                        </a:spcAft>
+                        <a:buNone/>
+                      </a:pPr>
+                      <a:r>
+                        <a:rPr lang="en-IN" sz="1100">
+                          <a:effectLst/>
+                        </a:rPr>
+                        <a:t>Feature / Attribute</a:t>
+                      </a:r>
+                      <a:endParaRPr lang="en-IN" sz="1100">
+                        <a:effectLst/>
+                        <a:latin typeface="Calibri" panose="020F0502020204030204" pitchFamily="34" charset="0"/>
+                        <a:ea typeface="Calibri" panose="020F0502020204030204" pitchFamily="34" charset="0"/>
+                        <a:cs typeface="Times New Roman" panose="02020603050405020304" pitchFamily="18" charset="0"/>
+                      </a:endParaRPr>
+                    </a:p>
+                  </a:txBody>
+                  <a:tcPr marL="9525" marR="9525" marT="9525" marB="9525" anchor="ctr"/>
+                </a:tc>
+                <a:tc>
+                  <a:txBody>
+                    <a:bodyPr/>
+                    <a:lstStyle/>
+                    <a:p>
+                      <a:pPr>
+                        <a:lnSpc>
+                          <a:spcPct val="115000"/>
+                        </a:lnSpc>
+                        <a:spcAft>
+                          <a:spcPts val="1000"/>
+                        </a:spcAft>
+                        <a:buNone/>
+                      </a:pPr>
+                      <a:r>
+                        <a:rPr lang="en-IN" sz="1100">
+                          <a:effectLst/>
+                        </a:rPr>
+                        <a:t>GPv1 (General Purpose v1)</a:t>
+                      </a:r>
+                      <a:endParaRPr lang="en-IN" sz="1100">
+                        <a:effectLst/>
+                        <a:latin typeface="Calibri" panose="020F0502020204030204" pitchFamily="34" charset="0"/>
+                        <a:ea typeface="Calibri" panose="020F0502020204030204" pitchFamily="34" charset="0"/>
+                        <a:cs typeface="Times New Roman" panose="02020603050405020304" pitchFamily="18" charset="0"/>
+                      </a:endParaRPr>
+                    </a:p>
+                  </a:txBody>
+                  <a:tcPr marL="9525" marR="9525" marT="9525" marB="9525" anchor="ctr"/>
+                </a:tc>
+                <a:tc>
+                  <a:txBody>
+                    <a:bodyPr/>
+                    <a:lstStyle/>
+                    <a:p>
+                      <a:pPr>
+                        <a:lnSpc>
+                          <a:spcPct val="115000"/>
+                        </a:lnSpc>
+                        <a:spcAft>
+                          <a:spcPts val="1000"/>
+                        </a:spcAft>
+                        <a:buNone/>
+                      </a:pPr>
+                      <a:r>
+                        <a:rPr lang="en-IN" sz="1100">
+                          <a:effectLst/>
+                        </a:rPr>
+                        <a:t>GPv2 (General Purpose v2)</a:t>
+                      </a:r>
+                      <a:endParaRPr lang="en-IN" sz="1100">
+                        <a:effectLst/>
+                        <a:latin typeface="Calibri" panose="020F0502020204030204" pitchFamily="34" charset="0"/>
+                        <a:ea typeface="Calibri" panose="020F0502020204030204" pitchFamily="34" charset="0"/>
+                        <a:cs typeface="Times New Roman" panose="02020603050405020304" pitchFamily="18" charset="0"/>
+                      </a:endParaRPr>
+                    </a:p>
+                  </a:txBody>
+                  <a:tcPr marL="9525" marR="9525" marT="9525" marB="9525" anchor="ctr"/>
+                </a:tc>
+                <a:tc>
+                  <a:txBody>
+                    <a:bodyPr/>
+                    <a:lstStyle/>
+                    <a:p>
+                      <a:pPr>
+                        <a:lnSpc>
+                          <a:spcPct val="115000"/>
+                        </a:lnSpc>
+                        <a:spcAft>
+                          <a:spcPts val="1000"/>
+                        </a:spcAft>
+                        <a:buNone/>
+                      </a:pPr>
+                      <a:r>
+                        <a:rPr lang="en-IN" sz="1100">
+                          <a:effectLst/>
+                        </a:rPr>
+                        <a:t>Blob Storage Account</a:t>
+                      </a:r>
+                      <a:endParaRPr lang="en-IN" sz="1100">
+                        <a:effectLst/>
+                        <a:latin typeface="Calibri" panose="020F0502020204030204" pitchFamily="34" charset="0"/>
+                        <a:ea typeface="Calibri" panose="020F0502020204030204" pitchFamily="34" charset="0"/>
+                        <a:cs typeface="Times New Roman" panose="02020603050405020304" pitchFamily="18" charset="0"/>
+                      </a:endParaRPr>
+                    </a:p>
+                  </a:txBody>
+                  <a:tcPr marL="9525" marR="9525" marT="9525" marB="9525" anchor="ctr"/>
+                </a:tc>
+                <a:extLst>
+                  <a:ext uri="{0D108BD9-81ED-4DB2-BD59-A6C34878D82A}">
+                    <a16:rowId xmlns:a16="http://schemas.microsoft.com/office/drawing/2014/main" val="3081233038"/>
+                  </a:ext>
+                </a:extLst>
+              </a:tr>
+              <a:tr h="642000">
+                <a:tc>
+                  <a:txBody>
+                    <a:bodyPr/>
+                    <a:lstStyle/>
+                    <a:p>
+                      <a:pPr>
+                        <a:lnSpc>
+                          <a:spcPct val="115000"/>
+                        </a:lnSpc>
+                        <a:spcAft>
+                          <a:spcPts val="1000"/>
+                        </a:spcAft>
+                        <a:buNone/>
+                      </a:pPr>
+                      <a:r>
+                        <a:rPr lang="en-IN" sz="1100">
+                          <a:effectLst/>
+                        </a:rPr>
+                        <a:t>Purpose</a:t>
+                      </a:r>
+                      <a:endParaRPr lang="en-IN" sz="1100">
+                        <a:effectLst/>
+                        <a:latin typeface="Calibri" panose="020F0502020204030204" pitchFamily="34" charset="0"/>
+                        <a:ea typeface="Calibri" panose="020F0502020204030204" pitchFamily="34" charset="0"/>
+                        <a:cs typeface="Times New Roman" panose="02020603050405020304" pitchFamily="18" charset="0"/>
+                      </a:endParaRPr>
+                    </a:p>
+                  </a:txBody>
+                  <a:tcPr marL="9525" marR="9525" marT="9525" marB="9525" anchor="ctr"/>
+                </a:tc>
+                <a:tc>
+                  <a:txBody>
+                    <a:bodyPr/>
+                    <a:lstStyle/>
+                    <a:p>
+                      <a:pPr>
+                        <a:lnSpc>
+                          <a:spcPct val="115000"/>
+                        </a:lnSpc>
+                        <a:spcAft>
+                          <a:spcPts val="1000"/>
+                        </a:spcAft>
+                        <a:buNone/>
+                      </a:pPr>
+                      <a:r>
+                        <a:rPr lang="en-IN" sz="1100">
+                          <a:effectLst/>
+                        </a:rPr>
+                        <a:t>Legacy general storage</a:t>
+                      </a:r>
+                      <a:endParaRPr lang="en-IN" sz="1100">
+                        <a:effectLst/>
+                        <a:latin typeface="Calibri" panose="020F0502020204030204" pitchFamily="34" charset="0"/>
+                        <a:ea typeface="Calibri" panose="020F0502020204030204" pitchFamily="34" charset="0"/>
+                        <a:cs typeface="Times New Roman" panose="02020603050405020304" pitchFamily="18" charset="0"/>
+                      </a:endParaRPr>
+                    </a:p>
+                  </a:txBody>
+                  <a:tcPr marL="9525" marR="9525" marT="9525" marB="9525" anchor="ctr"/>
+                </a:tc>
+                <a:tc>
+                  <a:txBody>
+                    <a:bodyPr/>
+                    <a:lstStyle/>
+                    <a:p>
+                      <a:pPr>
+                        <a:lnSpc>
+                          <a:spcPct val="115000"/>
+                        </a:lnSpc>
+                        <a:spcAft>
+                          <a:spcPts val="1000"/>
+                        </a:spcAft>
+                        <a:buNone/>
+                      </a:pPr>
+                      <a:r>
+                        <a:rPr lang="en-IN" sz="1100">
+                          <a:effectLst/>
+                        </a:rPr>
+                        <a:t>Modern storage for all workloads</a:t>
+                      </a:r>
+                      <a:endParaRPr lang="en-IN" sz="1100">
+                        <a:effectLst/>
+                        <a:latin typeface="Calibri" panose="020F0502020204030204" pitchFamily="34" charset="0"/>
+                        <a:ea typeface="Calibri" panose="020F0502020204030204" pitchFamily="34" charset="0"/>
+                        <a:cs typeface="Times New Roman" panose="02020603050405020304" pitchFamily="18" charset="0"/>
+                      </a:endParaRPr>
+                    </a:p>
+                  </a:txBody>
+                  <a:tcPr marL="9525" marR="9525" marT="9525" marB="9525" anchor="ctr"/>
+                </a:tc>
+                <a:tc>
+                  <a:txBody>
+                    <a:bodyPr/>
+                    <a:lstStyle/>
+                    <a:p>
+                      <a:pPr>
+                        <a:lnSpc>
+                          <a:spcPct val="115000"/>
+                        </a:lnSpc>
+                        <a:spcAft>
+                          <a:spcPts val="1000"/>
+                        </a:spcAft>
+                        <a:buNone/>
+                      </a:pPr>
+                      <a:r>
+                        <a:rPr lang="en-IN" sz="1100">
+                          <a:effectLst/>
+                        </a:rPr>
+                        <a:t>Optimized for unstructured data (blobs)</a:t>
+                      </a:r>
+                      <a:endParaRPr lang="en-IN" sz="1100">
+                        <a:effectLst/>
+                        <a:latin typeface="Calibri" panose="020F0502020204030204" pitchFamily="34" charset="0"/>
+                        <a:ea typeface="Calibri" panose="020F0502020204030204" pitchFamily="34" charset="0"/>
+                        <a:cs typeface="Times New Roman" panose="02020603050405020304" pitchFamily="18" charset="0"/>
+                      </a:endParaRPr>
+                    </a:p>
+                  </a:txBody>
+                  <a:tcPr marL="9525" marR="9525" marT="9525" marB="9525" anchor="ctr"/>
+                </a:tc>
+                <a:extLst>
+                  <a:ext uri="{0D108BD9-81ED-4DB2-BD59-A6C34878D82A}">
+                    <a16:rowId xmlns:a16="http://schemas.microsoft.com/office/drawing/2014/main" val="291196954"/>
+                  </a:ext>
+                </a:extLst>
+              </a:tr>
+              <a:tr h="327119">
+                <a:tc>
+                  <a:txBody>
+                    <a:bodyPr/>
+                    <a:lstStyle/>
+                    <a:p>
+                      <a:pPr>
+                        <a:lnSpc>
+                          <a:spcPct val="115000"/>
+                        </a:lnSpc>
+                        <a:spcAft>
+                          <a:spcPts val="1000"/>
+                        </a:spcAft>
+                        <a:buNone/>
+                      </a:pPr>
+                      <a:r>
+                        <a:rPr lang="en-IN" sz="1100">
+                          <a:effectLst/>
+                        </a:rPr>
+                        <a:t>Supported Storage Types</a:t>
+                      </a:r>
+                      <a:endParaRPr lang="en-IN" sz="1100">
+                        <a:effectLst/>
+                        <a:latin typeface="Calibri" panose="020F0502020204030204" pitchFamily="34" charset="0"/>
+                        <a:ea typeface="Calibri" panose="020F0502020204030204" pitchFamily="34" charset="0"/>
+                        <a:cs typeface="Times New Roman" panose="02020603050405020304" pitchFamily="18" charset="0"/>
+                      </a:endParaRPr>
+                    </a:p>
+                  </a:txBody>
+                  <a:tcPr marL="9525" marR="9525" marT="9525" marB="9525" anchor="ctr"/>
+                </a:tc>
+                <a:tc>
+                  <a:txBody>
+                    <a:bodyPr/>
+                    <a:lstStyle/>
+                    <a:p>
+                      <a:pPr>
+                        <a:lnSpc>
+                          <a:spcPct val="115000"/>
+                        </a:lnSpc>
+                        <a:spcAft>
+                          <a:spcPts val="1000"/>
+                        </a:spcAft>
+                        <a:buNone/>
+                      </a:pPr>
+                      <a:r>
+                        <a:rPr lang="en-IN" sz="1100">
+                          <a:effectLst/>
+                        </a:rPr>
+                        <a:t>Blob, Table, Queue</a:t>
+                      </a:r>
+                      <a:endParaRPr lang="en-IN" sz="1100">
+                        <a:effectLst/>
+                        <a:latin typeface="Calibri" panose="020F0502020204030204" pitchFamily="34" charset="0"/>
+                        <a:ea typeface="Calibri" panose="020F0502020204030204" pitchFamily="34" charset="0"/>
+                        <a:cs typeface="Times New Roman" panose="02020603050405020304" pitchFamily="18" charset="0"/>
+                      </a:endParaRPr>
+                    </a:p>
+                  </a:txBody>
+                  <a:tcPr marL="9525" marR="9525" marT="9525" marB="9525" anchor="ctr"/>
+                </a:tc>
+                <a:tc>
+                  <a:txBody>
+                    <a:bodyPr/>
+                    <a:lstStyle/>
+                    <a:p>
+                      <a:pPr>
+                        <a:lnSpc>
+                          <a:spcPct val="115000"/>
+                        </a:lnSpc>
+                        <a:spcAft>
+                          <a:spcPts val="1000"/>
+                        </a:spcAft>
+                        <a:buNone/>
+                      </a:pPr>
+                      <a:r>
+                        <a:rPr lang="en-IN" sz="1100">
+                          <a:effectLst/>
+                        </a:rPr>
+                        <a:t>Blob, Table, Queue</a:t>
+                      </a:r>
+                      <a:endParaRPr lang="en-IN" sz="1100">
+                        <a:effectLst/>
+                        <a:latin typeface="Calibri" panose="020F0502020204030204" pitchFamily="34" charset="0"/>
+                        <a:ea typeface="Calibri" panose="020F0502020204030204" pitchFamily="34" charset="0"/>
+                        <a:cs typeface="Times New Roman" panose="02020603050405020304" pitchFamily="18" charset="0"/>
+                      </a:endParaRPr>
+                    </a:p>
+                  </a:txBody>
+                  <a:tcPr marL="9525" marR="9525" marT="9525" marB="9525" anchor="ctr"/>
+                </a:tc>
+                <a:tc>
+                  <a:txBody>
+                    <a:bodyPr/>
+                    <a:lstStyle/>
+                    <a:p>
+                      <a:pPr>
+                        <a:lnSpc>
+                          <a:spcPct val="115000"/>
+                        </a:lnSpc>
+                        <a:spcAft>
+                          <a:spcPts val="1000"/>
+                        </a:spcAft>
+                        <a:buNone/>
+                      </a:pPr>
+                      <a:r>
+                        <a:rPr lang="en-IN" sz="1100">
+                          <a:effectLst/>
+                        </a:rPr>
+                        <a:t>Blob only</a:t>
+                      </a:r>
+                      <a:endParaRPr lang="en-IN" sz="1100">
+                        <a:effectLst/>
+                        <a:latin typeface="Calibri" panose="020F0502020204030204" pitchFamily="34" charset="0"/>
+                        <a:ea typeface="Calibri" panose="020F0502020204030204" pitchFamily="34" charset="0"/>
+                        <a:cs typeface="Times New Roman" panose="02020603050405020304" pitchFamily="18" charset="0"/>
+                      </a:endParaRPr>
+                    </a:p>
+                  </a:txBody>
+                  <a:tcPr marL="9525" marR="9525" marT="9525" marB="9525" anchor="ctr"/>
+                </a:tc>
+                <a:extLst>
+                  <a:ext uri="{0D108BD9-81ED-4DB2-BD59-A6C34878D82A}">
+                    <a16:rowId xmlns:a16="http://schemas.microsoft.com/office/drawing/2014/main" val="1240420257"/>
+                  </a:ext>
+                </a:extLst>
+              </a:tr>
+              <a:tr h="327119">
+                <a:tc>
+                  <a:txBody>
+                    <a:bodyPr/>
+                    <a:lstStyle/>
+                    <a:p>
+                      <a:pPr>
+                        <a:lnSpc>
+                          <a:spcPct val="115000"/>
+                        </a:lnSpc>
+                        <a:spcAft>
+                          <a:spcPts val="1000"/>
+                        </a:spcAft>
+                        <a:buNone/>
+                      </a:pPr>
+                      <a:r>
+                        <a:rPr lang="en-IN" sz="1100">
+                          <a:effectLst/>
+                        </a:rPr>
+                        <a:t>Performance Tiers</a:t>
+                      </a:r>
+                      <a:endParaRPr lang="en-IN" sz="1100">
+                        <a:effectLst/>
+                        <a:latin typeface="Calibri" panose="020F0502020204030204" pitchFamily="34" charset="0"/>
+                        <a:ea typeface="Calibri" panose="020F0502020204030204" pitchFamily="34" charset="0"/>
+                        <a:cs typeface="Times New Roman" panose="02020603050405020304" pitchFamily="18" charset="0"/>
+                      </a:endParaRPr>
+                    </a:p>
+                  </a:txBody>
+                  <a:tcPr marL="9525" marR="9525" marT="9525" marB="9525" anchor="ctr"/>
+                </a:tc>
+                <a:tc>
+                  <a:txBody>
+                    <a:bodyPr/>
+                    <a:lstStyle/>
+                    <a:p>
+                      <a:pPr>
+                        <a:lnSpc>
+                          <a:spcPct val="115000"/>
+                        </a:lnSpc>
+                        <a:spcAft>
+                          <a:spcPts val="1000"/>
+                        </a:spcAft>
+                        <a:buNone/>
+                      </a:pPr>
+                      <a:r>
+                        <a:rPr lang="en-IN" sz="1100">
+                          <a:effectLst/>
+                        </a:rPr>
+                        <a:t>Hot, Cool</a:t>
+                      </a:r>
+                      <a:endParaRPr lang="en-IN" sz="1100">
+                        <a:effectLst/>
+                        <a:latin typeface="Calibri" panose="020F0502020204030204" pitchFamily="34" charset="0"/>
+                        <a:ea typeface="Calibri" panose="020F0502020204030204" pitchFamily="34" charset="0"/>
+                        <a:cs typeface="Times New Roman" panose="02020603050405020304" pitchFamily="18" charset="0"/>
+                      </a:endParaRPr>
+                    </a:p>
+                  </a:txBody>
+                  <a:tcPr marL="9525" marR="9525" marT="9525" marB="9525" anchor="ctr"/>
+                </a:tc>
+                <a:tc>
+                  <a:txBody>
+                    <a:bodyPr/>
+                    <a:lstStyle/>
+                    <a:p>
+                      <a:pPr>
+                        <a:lnSpc>
+                          <a:spcPct val="115000"/>
+                        </a:lnSpc>
+                        <a:spcAft>
+                          <a:spcPts val="1000"/>
+                        </a:spcAft>
+                        <a:buNone/>
+                      </a:pPr>
+                      <a:r>
+                        <a:rPr lang="en-IN" sz="1100">
+                          <a:effectLst/>
+                        </a:rPr>
+                        <a:t>Hot, Cool, Archive</a:t>
+                      </a:r>
+                      <a:endParaRPr lang="en-IN" sz="1100">
+                        <a:effectLst/>
+                        <a:latin typeface="Calibri" panose="020F0502020204030204" pitchFamily="34" charset="0"/>
+                        <a:ea typeface="Calibri" panose="020F0502020204030204" pitchFamily="34" charset="0"/>
+                        <a:cs typeface="Times New Roman" panose="02020603050405020304" pitchFamily="18" charset="0"/>
+                      </a:endParaRPr>
+                    </a:p>
+                  </a:txBody>
+                  <a:tcPr marL="9525" marR="9525" marT="9525" marB="9525" anchor="ctr"/>
+                </a:tc>
+                <a:tc>
+                  <a:txBody>
+                    <a:bodyPr/>
+                    <a:lstStyle/>
+                    <a:p>
+                      <a:pPr>
+                        <a:lnSpc>
+                          <a:spcPct val="115000"/>
+                        </a:lnSpc>
+                        <a:spcAft>
+                          <a:spcPts val="1000"/>
+                        </a:spcAft>
+                        <a:buNone/>
+                      </a:pPr>
+                      <a:r>
+                        <a:rPr lang="en-IN" sz="1100">
+                          <a:effectLst/>
+                        </a:rPr>
+                        <a:t>Hot, Cool, Archive</a:t>
+                      </a:r>
+                      <a:endParaRPr lang="en-IN" sz="1100">
+                        <a:effectLst/>
+                        <a:latin typeface="Calibri" panose="020F0502020204030204" pitchFamily="34" charset="0"/>
+                        <a:ea typeface="Calibri" panose="020F0502020204030204" pitchFamily="34" charset="0"/>
+                        <a:cs typeface="Times New Roman" panose="02020603050405020304" pitchFamily="18" charset="0"/>
+                      </a:endParaRPr>
+                    </a:p>
+                  </a:txBody>
+                  <a:tcPr marL="9525" marR="9525" marT="9525" marB="9525" anchor="ctr"/>
+                </a:tc>
+                <a:extLst>
+                  <a:ext uri="{0D108BD9-81ED-4DB2-BD59-A6C34878D82A}">
+                    <a16:rowId xmlns:a16="http://schemas.microsoft.com/office/drawing/2014/main" val="2907965394"/>
+                  </a:ext>
+                </a:extLst>
+              </a:tr>
+              <a:tr h="642000">
+                <a:tc>
+                  <a:txBody>
+                    <a:bodyPr/>
+                    <a:lstStyle/>
+                    <a:p>
+                      <a:pPr>
+                        <a:lnSpc>
+                          <a:spcPct val="115000"/>
+                        </a:lnSpc>
+                        <a:spcAft>
+                          <a:spcPts val="1000"/>
+                        </a:spcAft>
+                        <a:buNone/>
+                      </a:pPr>
+                      <a:r>
+                        <a:rPr lang="en-IN" sz="1100">
+                          <a:effectLst/>
+                        </a:rPr>
+                        <a:t>Hierarchical Namespace</a:t>
+                      </a:r>
+                      <a:endParaRPr lang="en-IN" sz="1100">
+                        <a:effectLst/>
+                        <a:latin typeface="Calibri" panose="020F0502020204030204" pitchFamily="34" charset="0"/>
+                        <a:ea typeface="Calibri" panose="020F0502020204030204" pitchFamily="34" charset="0"/>
+                        <a:cs typeface="Times New Roman" panose="02020603050405020304" pitchFamily="18" charset="0"/>
+                      </a:endParaRPr>
+                    </a:p>
+                  </a:txBody>
+                  <a:tcPr marL="9525" marR="9525" marT="9525" marB="9525" anchor="ctr"/>
+                </a:tc>
+                <a:tc>
+                  <a:txBody>
+                    <a:bodyPr/>
+                    <a:lstStyle/>
+                    <a:p>
+                      <a:pPr>
+                        <a:lnSpc>
+                          <a:spcPct val="115000"/>
+                        </a:lnSpc>
+                        <a:spcAft>
+                          <a:spcPts val="1000"/>
+                        </a:spcAft>
+                        <a:buNone/>
+                      </a:pPr>
+                      <a:r>
+                        <a:rPr lang="en-IN" sz="1100">
+                          <a:effectLst/>
+                        </a:rPr>
+                        <a:t>Not supported</a:t>
+                      </a:r>
+                      <a:endParaRPr lang="en-IN" sz="1100">
+                        <a:effectLst/>
+                        <a:latin typeface="Calibri" panose="020F0502020204030204" pitchFamily="34" charset="0"/>
+                        <a:ea typeface="Calibri" panose="020F0502020204030204" pitchFamily="34" charset="0"/>
+                        <a:cs typeface="Times New Roman" panose="02020603050405020304" pitchFamily="18" charset="0"/>
+                      </a:endParaRPr>
+                    </a:p>
+                  </a:txBody>
+                  <a:tcPr marL="9525" marR="9525" marT="9525" marB="9525" anchor="ctr"/>
+                </a:tc>
+                <a:tc>
+                  <a:txBody>
+                    <a:bodyPr/>
+                    <a:lstStyle/>
+                    <a:p>
+                      <a:pPr>
+                        <a:lnSpc>
+                          <a:spcPct val="115000"/>
+                        </a:lnSpc>
+                        <a:spcAft>
+                          <a:spcPts val="1000"/>
+                        </a:spcAft>
+                        <a:buNone/>
+                      </a:pPr>
+                      <a:r>
+                        <a:rPr lang="en-IN" sz="1100">
+                          <a:effectLst/>
+                        </a:rPr>
+                        <a:t>Supports ADLS Gen2 (if enabled)</a:t>
+                      </a:r>
+                      <a:endParaRPr lang="en-IN" sz="1100">
+                        <a:effectLst/>
+                        <a:latin typeface="Calibri" panose="020F0502020204030204" pitchFamily="34" charset="0"/>
+                        <a:ea typeface="Calibri" panose="020F0502020204030204" pitchFamily="34" charset="0"/>
+                        <a:cs typeface="Times New Roman" panose="02020603050405020304" pitchFamily="18" charset="0"/>
+                      </a:endParaRPr>
+                    </a:p>
+                  </a:txBody>
+                  <a:tcPr marL="9525" marR="9525" marT="9525" marB="9525" anchor="ctr"/>
+                </a:tc>
+                <a:tc>
+                  <a:txBody>
+                    <a:bodyPr/>
+                    <a:lstStyle/>
+                    <a:p>
+                      <a:pPr>
+                        <a:lnSpc>
+                          <a:spcPct val="115000"/>
+                        </a:lnSpc>
+                        <a:spcAft>
+                          <a:spcPts val="1000"/>
+                        </a:spcAft>
+                        <a:buNone/>
+                      </a:pPr>
+                      <a:r>
+                        <a:rPr lang="en-IN" sz="1100">
+                          <a:effectLst/>
+                        </a:rPr>
+                        <a:t>Not supported</a:t>
+                      </a:r>
+                      <a:endParaRPr lang="en-IN" sz="1100">
+                        <a:effectLst/>
+                        <a:latin typeface="Calibri" panose="020F0502020204030204" pitchFamily="34" charset="0"/>
+                        <a:ea typeface="Calibri" panose="020F0502020204030204" pitchFamily="34" charset="0"/>
+                        <a:cs typeface="Times New Roman" panose="02020603050405020304" pitchFamily="18" charset="0"/>
+                      </a:endParaRPr>
+                    </a:p>
+                  </a:txBody>
+                  <a:tcPr marL="9525" marR="9525" marT="9525" marB="9525" anchor="ctr"/>
+                </a:tc>
+                <a:extLst>
+                  <a:ext uri="{0D108BD9-81ED-4DB2-BD59-A6C34878D82A}">
+                    <a16:rowId xmlns:a16="http://schemas.microsoft.com/office/drawing/2014/main" val="3602224270"/>
+                  </a:ext>
+                </a:extLst>
+              </a:tr>
+              <a:tr h="327119">
+                <a:tc>
+                  <a:txBody>
+                    <a:bodyPr/>
+                    <a:lstStyle/>
+                    <a:p>
+                      <a:pPr>
+                        <a:lnSpc>
+                          <a:spcPct val="115000"/>
+                        </a:lnSpc>
+                        <a:spcAft>
+                          <a:spcPts val="1000"/>
+                        </a:spcAft>
+                        <a:buNone/>
+                      </a:pPr>
+                      <a:r>
+                        <a:rPr lang="en-IN" sz="1100">
+                          <a:effectLst/>
+                        </a:rPr>
+                        <a:t>Redundancy Options</a:t>
+                      </a:r>
+                      <a:endParaRPr lang="en-IN" sz="1100">
+                        <a:effectLst/>
+                        <a:latin typeface="Calibri" panose="020F0502020204030204" pitchFamily="34" charset="0"/>
+                        <a:ea typeface="Calibri" panose="020F0502020204030204" pitchFamily="34" charset="0"/>
+                        <a:cs typeface="Times New Roman" panose="02020603050405020304" pitchFamily="18" charset="0"/>
+                      </a:endParaRPr>
+                    </a:p>
+                  </a:txBody>
+                  <a:tcPr marL="9525" marR="9525" marT="9525" marB="9525" anchor="ctr"/>
+                </a:tc>
+                <a:tc>
+                  <a:txBody>
+                    <a:bodyPr/>
+                    <a:lstStyle/>
+                    <a:p>
+                      <a:pPr>
+                        <a:lnSpc>
+                          <a:spcPct val="115000"/>
+                        </a:lnSpc>
+                        <a:spcAft>
+                          <a:spcPts val="1000"/>
+                        </a:spcAft>
+                        <a:buNone/>
+                      </a:pPr>
+                      <a:r>
+                        <a:rPr lang="en-IN" sz="1100">
+                          <a:effectLst/>
+                        </a:rPr>
+                        <a:t>LRS, ZRS, GRS, RA-GRS</a:t>
+                      </a:r>
+                      <a:endParaRPr lang="en-IN" sz="1100">
+                        <a:effectLst/>
+                        <a:latin typeface="Calibri" panose="020F0502020204030204" pitchFamily="34" charset="0"/>
+                        <a:ea typeface="Calibri" panose="020F0502020204030204" pitchFamily="34" charset="0"/>
+                        <a:cs typeface="Times New Roman" panose="02020603050405020304" pitchFamily="18" charset="0"/>
+                      </a:endParaRPr>
+                    </a:p>
+                  </a:txBody>
+                  <a:tcPr marL="9525" marR="9525" marT="9525" marB="9525" anchor="ctr"/>
+                </a:tc>
+                <a:tc>
+                  <a:txBody>
+                    <a:bodyPr/>
+                    <a:lstStyle/>
+                    <a:p>
+                      <a:pPr>
+                        <a:lnSpc>
+                          <a:spcPct val="115000"/>
+                        </a:lnSpc>
+                        <a:spcAft>
+                          <a:spcPts val="1000"/>
+                        </a:spcAft>
+                        <a:buNone/>
+                      </a:pPr>
+                      <a:r>
+                        <a:rPr lang="en-IN" sz="1100">
+                          <a:effectLst/>
+                        </a:rPr>
+                        <a:t>LRS, ZRS, GRS, RA-GRS</a:t>
+                      </a:r>
+                      <a:endParaRPr lang="en-IN" sz="1100">
+                        <a:effectLst/>
+                        <a:latin typeface="Calibri" panose="020F0502020204030204" pitchFamily="34" charset="0"/>
+                        <a:ea typeface="Calibri" panose="020F0502020204030204" pitchFamily="34" charset="0"/>
+                        <a:cs typeface="Times New Roman" panose="02020603050405020304" pitchFamily="18" charset="0"/>
+                      </a:endParaRPr>
+                    </a:p>
+                  </a:txBody>
+                  <a:tcPr marL="9525" marR="9525" marT="9525" marB="9525" anchor="ctr"/>
+                </a:tc>
+                <a:tc>
+                  <a:txBody>
+                    <a:bodyPr/>
+                    <a:lstStyle/>
+                    <a:p>
+                      <a:pPr>
+                        <a:lnSpc>
+                          <a:spcPct val="115000"/>
+                        </a:lnSpc>
+                        <a:spcAft>
+                          <a:spcPts val="1000"/>
+                        </a:spcAft>
+                        <a:buNone/>
+                      </a:pPr>
+                      <a:r>
+                        <a:rPr lang="en-IN" sz="1100">
+                          <a:effectLst/>
+                        </a:rPr>
+                        <a:t>LRS, ZRS, GRS, RA-GRS</a:t>
+                      </a:r>
+                      <a:endParaRPr lang="en-IN" sz="1100">
+                        <a:effectLst/>
+                        <a:latin typeface="Calibri" panose="020F0502020204030204" pitchFamily="34" charset="0"/>
+                        <a:ea typeface="Calibri" panose="020F0502020204030204" pitchFamily="34" charset="0"/>
+                        <a:cs typeface="Times New Roman" panose="02020603050405020304" pitchFamily="18" charset="0"/>
+                      </a:endParaRPr>
+                    </a:p>
+                  </a:txBody>
+                  <a:tcPr marL="9525" marR="9525" marT="9525" marB="9525" anchor="ctr"/>
+                </a:tc>
+                <a:extLst>
+                  <a:ext uri="{0D108BD9-81ED-4DB2-BD59-A6C34878D82A}">
+                    <a16:rowId xmlns:a16="http://schemas.microsoft.com/office/drawing/2014/main" val="465808425"/>
+                  </a:ext>
+                </a:extLst>
+              </a:tr>
+              <a:tr h="956879">
+                <a:tc>
+                  <a:txBody>
+                    <a:bodyPr/>
+                    <a:lstStyle/>
+                    <a:p>
+                      <a:pPr>
+                        <a:lnSpc>
+                          <a:spcPct val="115000"/>
+                        </a:lnSpc>
+                        <a:spcAft>
+                          <a:spcPts val="1000"/>
+                        </a:spcAft>
+                        <a:buNone/>
+                      </a:pPr>
+                      <a:r>
+                        <a:rPr lang="en-IN" sz="1100">
+                          <a:effectLst/>
+                        </a:rPr>
+                        <a:t>Features Supported</a:t>
+                      </a:r>
+                      <a:endParaRPr lang="en-IN" sz="1100">
+                        <a:effectLst/>
+                        <a:latin typeface="Calibri" panose="020F0502020204030204" pitchFamily="34" charset="0"/>
+                        <a:ea typeface="Calibri" panose="020F0502020204030204" pitchFamily="34" charset="0"/>
+                        <a:cs typeface="Times New Roman" panose="02020603050405020304" pitchFamily="18" charset="0"/>
+                      </a:endParaRPr>
+                    </a:p>
+                  </a:txBody>
+                  <a:tcPr marL="9525" marR="9525" marT="9525" marB="9525" anchor="ctr"/>
+                </a:tc>
+                <a:tc>
+                  <a:txBody>
+                    <a:bodyPr/>
+                    <a:lstStyle/>
+                    <a:p>
+                      <a:pPr>
+                        <a:lnSpc>
+                          <a:spcPct val="115000"/>
+                        </a:lnSpc>
+                        <a:spcAft>
+                          <a:spcPts val="1000"/>
+                        </a:spcAft>
+                        <a:buNone/>
+                      </a:pPr>
+                      <a:r>
+                        <a:rPr lang="en-IN" sz="1100">
+                          <a:effectLst/>
+                        </a:rPr>
+                        <a:t>Basic features, no advanced features</a:t>
+                      </a:r>
+                      <a:endParaRPr lang="en-IN" sz="1100">
+                        <a:effectLst/>
+                        <a:latin typeface="Calibri" panose="020F0502020204030204" pitchFamily="34" charset="0"/>
+                        <a:ea typeface="Calibri" panose="020F0502020204030204" pitchFamily="34" charset="0"/>
+                        <a:cs typeface="Times New Roman" panose="02020603050405020304" pitchFamily="18" charset="0"/>
+                      </a:endParaRPr>
+                    </a:p>
+                  </a:txBody>
+                  <a:tcPr marL="9525" marR="9525" marT="9525" marB="9525" anchor="ctr"/>
+                </a:tc>
+                <a:tc>
+                  <a:txBody>
+                    <a:bodyPr/>
+                    <a:lstStyle/>
+                    <a:p>
+                      <a:pPr>
+                        <a:lnSpc>
+                          <a:spcPct val="115000"/>
+                        </a:lnSpc>
+                        <a:spcAft>
+                          <a:spcPts val="1000"/>
+                        </a:spcAft>
+                        <a:buNone/>
+                      </a:pPr>
+                      <a:r>
+                        <a:rPr lang="en-IN" sz="1100">
+                          <a:effectLst/>
+                        </a:rPr>
+                        <a:t>Full feature set (Blob lifecycle, soft delete, tiering, monitoring, etc.)</a:t>
+                      </a:r>
+                      <a:endParaRPr lang="en-IN" sz="1100">
+                        <a:effectLst/>
+                        <a:latin typeface="Calibri" panose="020F0502020204030204" pitchFamily="34" charset="0"/>
+                        <a:ea typeface="Calibri" panose="020F0502020204030204" pitchFamily="34" charset="0"/>
+                        <a:cs typeface="Times New Roman" panose="02020603050405020304" pitchFamily="18" charset="0"/>
+                      </a:endParaRPr>
+                    </a:p>
+                  </a:txBody>
+                  <a:tcPr marL="9525" marR="9525" marT="9525" marB="9525" anchor="ctr"/>
+                </a:tc>
+                <a:tc>
+                  <a:txBody>
+                    <a:bodyPr/>
+                    <a:lstStyle/>
+                    <a:p>
+                      <a:pPr>
+                        <a:lnSpc>
+                          <a:spcPct val="115000"/>
+                        </a:lnSpc>
+                        <a:spcAft>
+                          <a:spcPts val="1000"/>
+                        </a:spcAft>
+                        <a:buNone/>
+                      </a:pPr>
+                      <a:r>
+                        <a:rPr lang="en-IN" sz="1100">
+                          <a:effectLst/>
+                        </a:rPr>
+                        <a:t>Blob lifecycle management, snapshots, soft delete</a:t>
+                      </a:r>
+                      <a:endParaRPr lang="en-IN" sz="1100">
+                        <a:effectLst/>
+                        <a:latin typeface="Calibri" panose="020F0502020204030204" pitchFamily="34" charset="0"/>
+                        <a:ea typeface="Calibri" panose="020F0502020204030204" pitchFamily="34" charset="0"/>
+                        <a:cs typeface="Times New Roman" panose="02020603050405020304" pitchFamily="18" charset="0"/>
+                      </a:endParaRPr>
+                    </a:p>
+                  </a:txBody>
+                  <a:tcPr marL="9525" marR="9525" marT="9525" marB="9525" anchor="ctr"/>
+                </a:tc>
+                <a:extLst>
+                  <a:ext uri="{0D108BD9-81ED-4DB2-BD59-A6C34878D82A}">
+                    <a16:rowId xmlns:a16="http://schemas.microsoft.com/office/drawing/2014/main" val="641326139"/>
+                  </a:ext>
+                </a:extLst>
+              </a:tr>
+              <a:tr h="642000">
+                <a:tc>
+                  <a:txBody>
+                    <a:bodyPr/>
+                    <a:lstStyle/>
+                    <a:p>
+                      <a:pPr>
+                        <a:lnSpc>
+                          <a:spcPct val="115000"/>
+                        </a:lnSpc>
+                        <a:spcAft>
+                          <a:spcPts val="1000"/>
+                        </a:spcAft>
+                        <a:buNone/>
+                      </a:pPr>
+                      <a:r>
+                        <a:rPr lang="en-IN" sz="1100">
+                          <a:effectLst/>
+                        </a:rPr>
+                        <a:t>Pricing</a:t>
+                      </a:r>
+                      <a:endParaRPr lang="en-IN" sz="1100">
+                        <a:effectLst/>
+                        <a:latin typeface="Calibri" panose="020F0502020204030204" pitchFamily="34" charset="0"/>
+                        <a:ea typeface="Calibri" panose="020F0502020204030204" pitchFamily="34" charset="0"/>
+                        <a:cs typeface="Times New Roman" panose="02020603050405020304" pitchFamily="18" charset="0"/>
+                      </a:endParaRPr>
+                    </a:p>
+                  </a:txBody>
+                  <a:tcPr marL="9525" marR="9525" marT="9525" marB="9525" anchor="ctr"/>
+                </a:tc>
+                <a:tc>
+                  <a:txBody>
+                    <a:bodyPr/>
+                    <a:lstStyle/>
+                    <a:p>
+                      <a:pPr>
+                        <a:lnSpc>
+                          <a:spcPct val="115000"/>
+                        </a:lnSpc>
+                        <a:spcAft>
+                          <a:spcPts val="1000"/>
+                        </a:spcAft>
+                        <a:buNone/>
+                      </a:pPr>
+                      <a:r>
+                        <a:rPr lang="en-IN" sz="1100">
+                          <a:effectLst/>
+                        </a:rPr>
+                        <a:t>Slightly cheaper than GPv2</a:t>
+                      </a:r>
+                      <a:endParaRPr lang="en-IN" sz="1100">
+                        <a:effectLst/>
+                        <a:latin typeface="Calibri" panose="020F0502020204030204" pitchFamily="34" charset="0"/>
+                        <a:ea typeface="Calibri" panose="020F0502020204030204" pitchFamily="34" charset="0"/>
+                        <a:cs typeface="Times New Roman" panose="02020603050405020304" pitchFamily="18" charset="0"/>
+                      </a:endParaRPr>
+                    </a:p>
+                  </a:txBody>
+                  <a:tcPr marL="9525" marR="9525" marT="9525" marB="9525" anchor="ctr"/>
+                </a:tc>
+                <a:tc>
+                  <a:txBody>
+                    <a:bodyPr/>
+                    <a:lstStyle/>
+                    <a:p>
+                      <a:pPr>
+                        <a:lnSpc>
+                          <a:spcPct val="115000"/>
+                        </a:lnSpc>
+                        <a:spcAft>
+                          <a:spcPts val="1000"/>
+                        </a:spcAft>
+                        <a:buNone/>
+                      </a:pPr>
+                      <a:r>
+                        <a:rPr lang="en-IN" sz="1100">
+                          <a:effectLst/>
+                        </a:rPr>
+                        <a:t>Modern pricing, better performance-cost ratio</a:t>
+                      </a:r>
+                      <a:endParaRPr lang="en-IN" sz="1100">
+                        <a:effectLst/>
+                        <a:latin typeface="Calibri" panose="020F0502020204030204" pitchFamily="34" charset="0"/>
+                        <a:ea typeface="Calibri" panose="020F0502020204030204" pitchFamily="34" charset="0"/>
+                        <a:cs typeface="Times New Roman" panose="02020603050405020304" pitchFamily="18" charset="0"/>
+                      </a:endParaRPr>
+                    </a:p>
+                  </a:txBody>
+                  <a:tcPr marL="9525" marR="9525" marT="9525" marB="9525" anchor="ctr"/>
+                </a:tc>
+                <a:tc>
+                  <a:txBody>
+                    <a:bodyPr/>
+                    <a:lstStyle/>
+                    <a:p>
+                      <a:pPr>
+                        <a:lnSpc>
+                          <a:spcPct val="115000"/>
+                        </a:lnSpc>
+                        <a:spcAft>
+                          <a:spcPts val="1000"/>
+                        </a:spcAft>
+                        <a:buNone/>
+                      </a:pPr>
+                      <a:r>
+                        <a:rPr lang="en-IN" sz="1100">
+                          <a:effectLst/>
+                        </a:rPr>
+                        <a:t>Cheaper for blob-only scenarios</a:t>
+                      </a:r>
+                      <a:endParaRPr lang="en-IN" sz="1100">
+                        <a:effectLst/>
+                        <a:latin typeface="Calibri" panose="020F0502020204030204" pitchFamily="34" charset="0"/>
+                        <a:ea typeface="Calibri" panose="020F0502020204030204" pitchFamily="34" charset="0"/>
+                        <a:cs typeface="Times New Roman" panose="02020603050405020304" pitchFamily="18" charset="0"/>
+                      </a:endParaRPr>
+                    </a:p>
+                  </a:txBody>
+                  <a:tcPr marL="9525" marR="9525" marT="9525" marB="9525" anchor="ctr"/>
+                </a:tc>
+                <a:extLst>
+                  <a:ext uri="{0D108BD9-81ED-4DB2-BD59-A6C34878D82A}">
+                    <a16:rowId xmlns:a16="http://schemas.microsoft.com/office/drawing/2014/main" val="2847966653"/>
+                  </a:ext>
+                </a:extLst>
+              </a:tr>
+              <a:tr h="642000">
+                <a:tc>
+                  <a:txBody>
+                    <a:bodyPr/>
+                    <a:lstStyle/>
+                    <a:p>
+                      <a:pPr>
+                        <a:lnSpc>
+                          <a:spcPct val="115000"/>
+                        </a:lnSpc>
+                        <a:spcAft>
+                          <a:spcPts val="1000"/>
+                        </a:spcAft>
+                        <a:buNone/>
+                      </a:pPr>
+                      <a:r>
+                        <a:rPr lang="en-IN" sz="1100">
+                          <a:effectLst/>
+                        </a:rPr>
+                        <a:t>Use Cases</a:t>
+                      </a:r>
+                      <a:endParaRPr lang="en-IN" sz="1100">
+                        <a:effectLst/>
+                        <a:latin typeface="Calibri" panose="020F0502020204030204" pitchFamily="34" charset="0"/>
+                        <a:ea typeface="Calibri" panose="020F0502020204030204" pitchFamily="34" charset="0"/>
+                        <a:cs typeface="Times New Roman" panose="02020603050405020304" pitchFamily="18" charset="0"/>
+                      </a:endParaRPr>
+                    </a:p>
+                  </a:txBody>
+                  <a:tcPr marL="9525" marR="9525" marT="9525" marB="9525" anchor="ctr"/>
+                </a:tc>
+                <a:tc>
+                  <a:txBody>
+                    <a:bodyPr/>
+                    <a:lstStyle/>
+                    <a:p>
+                      <a:pPr>
+                        <a:lnSpc>
+                          <a:spcPct val="115000"/>
+                        </a:lnSpc>
+                        <a:spcAft>
+                          <a:spcPts val="1000"/>
+                        </a:spcAft>
+                        <a:buNone/>
+                      </a:pPr>
+                      <a:r>
+                        <a:rPr lang="en-IN" sz="1100">
+                          <a:effectLst/>
+                        </a:rPr>
+                        <a:t>Legacy apps, migration from older storage</a:t>
+                      </a:r>
+                      <a:endParaRPr lang="en-IN" sz="1100">
+                        <a:effectLst/>
+                        <a:latin typeface="Calibri" panose="020F0502020204030204" pitchFamily="34" charset="0"/>
+                        <a:ea typeface="Calibri" panose="020F0502020204030204" pitchFamily="34" charset="0"/>
+                        <a:cs typeface="Times New Roman" panose="02020603050405020304" pitchFamily="18" charset="0"/>
+                      </a:endParaRPr>
+                    </a:p>
+                  </a:txBody>
+                  <a:tcPr marL="9525" marR="9525" marT="9525" marB="9525" anchor="ctr"/>
+                </a:tc>
+                <a:tc>
+                  <a:txBody>
+                    <a:bodyPr/>
+                    <a:lstStyle/>
+                    <a:p>
+                      <a:pPr>
+                        <a:lnSpc>
+                          <a:spcPct val="115000"/>
+                        </a:lnSpc>
+                        <a:spcAft>
+                          <a:spcPts val="1000"/>
+                        </a:spcAft>
+                        <a:buNone/>
+                      </a:pPr>
+                      <a:r>
+                        <a:rPr lang="en-IN" sz="1100">
+                          <a:effectLst/>
+                        </a:rPr>
+                        <a:t>Most modern applications, analytics, big data, AI</a:t>
+                      </a:r>
+                      <a:endParaRPr lang="en-IN" sz="1100">
+                        <a:effectLst/>
+                        <a:latin typeface="Calibri" panose="020F0502020204030204" pitchFamily="34" charset="0"/>
+                        <a:ea typeface="Calibri" panose="020F0502020204030204" pitchFamily="34" charset="0"/>
+                        <a:cs typeface="Times New Roman" panose="02020603050405020304" pitchFamily="18" charset="0"/>
+                      </a:endParaRPr>
+                    </a:p>
+                  </a:txBody>
+                  <a:tcPr marL="9525" marR="9525" marT="9525" marB="9525" anchor="ctr"/>
+                </a:tc>
+                <a:tc>
+                  <a:txBody>
+                    <a:bodyPr/>
+                    <a:lstStyle/>
+                    <a:p>
+                      <a:pPr>
+                        <a:lnSpc>
+                          <a:spcPct val="115000"/>
+                        </a:lnSpc>
+                        <a:spcAft>
+                          <a:spcPts val="1000"/>
+                        </a:spcAft>
+                        <a:buNone/>
+                      </a:pPr>
+                      <a:r>
+                        <a:rPr lang="en-IN" sz="1100" dirty="0">
+                          <a:effectLst/>
+                        </a:rPr>
+                        <a:t>Unstructured data storage (images, videos, backups)</a:t>
+                      </a:r>
+                      <a:endParaRPr lang="en-IN" sz="1100" dirty="0">
+                        <a:effectLst/>
+                        <a:latin typeface="Calibri" panose="020F0502020204030204" pitchFamily="34" charset="0"/>
+                        <a:ea typeface="Calibri" panose="020F0502020204030204" pitchFamily="34" charset="0"/>
+                        <a:cs typeface="Times New Roman" panose="02020603050405020304" pitchFamily="18" charset="0"/>
+                      </a:endParaRPr>
+                    </a:p>
+                  </a:txBody>
+                  <a:tcPr marL="9525" marR="9525" marT="9525" marB="9525" anchor="ctr"/>
+                </a:tc>
+                <a:extLst>
+                  <a:ext uri="{0D108BD9-81ED-4DB2-BD59-A6C34878D82A}">
+                    <a16:rowId xmlns:a16="http://schemas.microsoft.com/office/drawing/2014/main" val="648382738"/>
+                  </a:ext>
+                </a:extLst>
+              </a:tr>
+              <a:tr h="327119">
+                <a:tc>
+                  <a:txBody>
+                    <a:bodyPr/>
+                    <a:lstStyle/>
+                    <a:p>
+                      <a:pPr>
+                        <a:lnSpc>
+                          <a:spcPct val="115000"/>
+                        </a:lnSpc>
+                        <a:spcAft>
+                          <a:spcPts val="1000"/>
+                        </a:spcAft>
+                        <a:buNone/>
+                      </a:pPr>
+                      <a:r>
+                        <a:rPr lang="en-IN" sz="1100">
+                          <a:effectLst/>
+                        </a:rPr>
+                        <a:t>Default Encryption</a:t>
+                      </a:r>
+                      <a:endParaRPr lang="en-IN" sz="1100">
+                        <a:effectLst/>
+                        <a:latin typeface="Calibri" panose="020F0502020204030204" pitchFamily="34" charset="0"/>
+                        <a:ea typeface="Calibri" panose="020F0502020204030204" pitchFamily="34" charset="0"/>
+                        <a:cs typeface="Times New Roman" panose="02020603050405020304" pitchFamily="18" charset="0"/>
+                      </a:endParaRPr>
+                    </a:p>
+                  </a:txBody>
+                  <a:tcPr marL="9525" marR="9525" marT="9525" marB="9525" anchor="ctr"/>
+                </a:tc>
+                <a:tc>
+                  <a:txBody>
+                    <a:bodyPr/>
+                    <a:lstStyle/>
+                    <a:p>
+                      <a:pPr>
+                        <a:lnSpc>
+                          <a:spcPct val="115000"/>
+                        </a:lnSpc>
+                        <a:spcAft>
+                          <a:spcPts val="1000"/>
+                        </a:spcAft>
+                        <a:buNone/>
+                      </a:pPr>
+                      <a:r>
+                        <a:rPr lang="en-IN" sz="1100">
+                          <a:effectLst/>
+                        </a:rPr>
+                        <a:t>Storage Service Encryption</a:t>
+                      </a:r>
+                      <a:endParaRPr lang="en-IN" sz="1100">
+                        <a:effectLst/>
+                        <a:latin typeface="Calibri" panose="020F0502020204030204" pitchFamily="34" charset="0"/>
+                        <a:ea typeface="Calibri" panose="020F0502020204030204" pitchFamily="34" charset="0"/>
+                        <a:cs typeface="Times New Roman" panose="02020603050405020304" pitchFamily="18" charset="0"/>
+                      </a:endParaRPr>
+                    </a:p>
+                  </a:txBody>
+                  <a:tcPr marL="9525" marR="9525" marT="9525" marB="9525" anchor="ctr"/>
+                </a:tc>
+                <a:tc>
+                  <a:txBody>
+                    <a:bodyPr/>
+                    <a:lstStyle/>
+                    <a:p>
+                      <a:pPr>
+                        <a:lnSpc>
+                          <a:spcPct val="115000"/>
+                        </a:lnSpc>
+                        <a:spcAft>
+                          <a:spcPts val="1000"/>
+                        </a:spcAft>
+                        <a:buNone/>
+                      </a:pPr>
+                      <a:r>
+                        <a:rPr lang="en-IN" sz="1100">
+                          <a:effectLst/>
+                        </a:rPr>
+                        <a:t>Storage Service Encryption</a:t>
+                      </a:r>
+                      <a:endParaRPr lang="en-IN" sz="1100">
+                        <a:effectLst/>
+                        <a:latin typeface="Calibri" panose="020F0502020204030204" pitchFamily="34" charset="0"/>
+                        <a:ea typeface="Calibri" panose="020F0502020204030204" pitchFamily="34" charset="0"/>
+                        <a:cs typeface="Times New Roman" panose="02020603050405020304" pitchFamily="18" charset="0"/>
+                      </a:endParaRPr>
+                    </a:p>
+                  </a:txBody>
+                  <a:tcPr marL="9525" marR="9525" marT="9525" marB="9525" anchor="ctr"/>
+                </a:tc>
+                <a:tc>
+                  <a:txBody>
+                    <a:bodyPr/>
+                    <a:lstStyle/>
+                    <a:p>
+                      <a:pPr>
+                        <a:lnSpc>
+                          <a:spcPct val="115000"/>
+                        </a:lnSpc>
+                        <a:spcAft>
+                          <a:spcPts val="1000"/>
+                        </a:spcAft>
+                        <a:buNone/>
+                      </a:pPr>
+                      <a:r>
+                        <a:rPr lang="en-IN" sz="1100">
+                          <a:effectLst/>
+                        </a:rPr>
+                        <a:t>Storage Service Encryption</a:t>
+                      </a:r>
+                      <a:endParaRPr lang="en-IN" sz="1100">
+                        <a:effectLst/>
+                        <a:latin typeface="Calibri" panose="020F0502020204030204" pitchFamily="34" charset="0"/>
+                        <a:ea typeface="Calibri" panose="020F0502020204030204" pitchFamily="34" charset="0"/>
+                        <a:cs typeface="Times New Roman" panose="02020603050405020304" pitchFamily="18" charset="0"/>
+                      </a:endParaRPr>
+                    </a:p>
+                  </a:txBody>
+                  <a:tcPr marL="9525" marR="9525" marT="9525" marB="9525" anchor="ctr"/>
+                </a:tc>
+                <a:extLst>
+                  <a:ext uri="{0D108BD9-81ED-4DB2-BD59-A6C34878D82A}">
+                    <a16:rowId xmlns:a16="http://schemas.microsoft.com/office/drawing/2014/main" val="1359040028"/>
+                  </a:ext>
+                </a:extLst>
+              </a:tr>
+              <a:tr h="327119">
+                <a:tc>
+                  <a:txBody>
+                    <a:bodyPr/>
+                    <a:lstStyle/>
+                    <a:p>
+                      <a:pPr>
+                        <a:lnSpc>
+                          <a:spcPct val="115000"/>
+                        </a:lnSpc>
+                        <a:spcAft>
+                          <a:spcPts val="1000"/>
+                        </a:spcAft>
+                        <a:buNone/>
+                      </a:pPr>
+                      <a:r>
+                        <a:rPr lang="en-IN" sz="1100">
+                          <a:effectLst/>
+                        </a:rPr>
+                        <a:t>Access Control (RBAC, SAS)</a:t>
+                      </a:r>
+                      <a:endParaRPr lang="en-IN" sz="1100">
+                        <a:effectLst/>
+                        <a:latin typeface="Calibri" panose="020F0502020204030204" pitchFamily="34" charset="0"/>
+                        <a:ea typeface="Calibri" panose="020F0502020204030204" pitchFamily="34" charset="0"/>
+                        <a:cs typeface="Times New Roman" panose="02020603050405020304" pitchFamily="18" charset="0"/>
+                      </a:endParaRPr>
+                    </a:p>
+                  </a:txBody>
+                  <a:tcPr marL="9525" marR="9525" marT="9525" marB="9525" anchor="ctr"/>
+                </a:tc>
+                <a:tc>
+                  <a:txBody>
+                    <a:bodyPr/>
+                    <a:lstStyle/>
+                    <a:p>
+                      <a:pPr>
+                        <a:lnSpc>
+                          <a:spcPct val="115000"/>
+                        </a:lnSpc>
+                        <a:spcAft>
+                          <a:spcPts val="1000"/>
+                        </a:spcAft>
+                        <a:buNone/>
+                      </a:pPr>
+                      <a:r>
+                        <a:rPr lang="en-IN" sz="1100">
+                          <a:effectLst/>
+                        </a:rPr>
+                        <a:t>Limited</a:t>
+                      </a:r>
+                      <a:endParaRPr lang="en-IN" sz="1100">
+                        <a:effectLst/>
+                        <a:latin typeface="Calibri" panose="020F0502020204030204" pitchFamily="34" charset="0"/>
+                        <a:ea typeface="Calibri" panose="020F0502020204030204" pitchFamily="34" charset="0"/>
+                        <a:cs typeface="Times New Roman" panose="02020603050405020304" pitchFamily="18" charset="0"/>
+                      </a:endParaRPr>
+                    </a:p>
+                  </a:txBody>
+                  <a:tcPr marL="9525" marR="9525" marT="9525" marB="9525" anchor="ctr"/>
+                </a:tc>
+                <a:tc>
+                  <a:txBody>
+                    <a:bodyPr/>
+                    <a:lstStyle/>
+                    <a:p>
+                      <a:pPr>
+                        <a:lnSpc>
+                          <a:spcPct val="115000"/>
+                        </a:lnSpc>
+                        <a:spcAft>
+                          <a:spcPts val="1000"/>
+                        </a:spcAft>
+                        <a:buNone/>
+                      </a:pPr>
+                      <a:r>
+                        <a:rPr lang="en-IN" sz="1100">
+                          <a:effectLst/>
+                        </a:rPr>
+                        <a:t>Fully supported</a:t>
+                      </a:r>
+                      <a:endParaRPr lang="en-IN" sz="1100">
+                        <a:effectLst/>
+                        <a:latin typeface="Calibri" panose="020F0502020204030204" pitchFamily="34" charset="0"/>
+                        <a:ea typeface="Calibri" panose="020F0502020204030204" pitchFamily="34" charset="0"/>
+                        <a:cs typeface="Times New Roman" panose="02020603050405020304" pitchFamily="18" charset="0"/>
+                      </a:endParaRPr>
+                    </a:p>
+                  </a:txBody>
+                  <a:tcPr marL="9525" marR="9525" marT="9525" marB="9525" anchor="ctr"/>
+                </a:tc>
+                <a:tc>
+                  <a:txBody>
+                    <a:bodyPr/>
+                    <a:lstStyle/>
+                    <a:p>
+                      <a:pPr>
+                        <a:lnSpc>
+                          <a:spcPct val="115000"/>
+                        </a:lnSpc>
+                        <a:spcAft>
+                          <a:spcPts val="1000"/>
+                        </a:spcAft>
+                        <a:buNone/>
+                      </a:pPr>
+                      <a:r>
+                        <a:rPr lang="en-IN" sz="1100" dirty="0">
+                          <a:effectLst/>
+                        </a:rPr>
+                        <a:t>Fully supported</a:t>
+                      </a:r>
+                      <a:endParaRPr lang="en-IN" sz="1100" dirty="0">
+                        <a:effectLst/>
+                        <a:latin typeface="Calibri" panose="020F0502020204030204" pitchFamily="34" charset="0"/>
+                        <a:ea typeface="Calibri" panose="020F0502020204030204" pitchFamily="34" charset="0"/>
+                        <a:cs typeface="Times New Roman" panose="02020603050405020304" pitchFamily="18" charset="0"/>
+                      </a:endParaRPr>
+                    </a:p>
+                  </a:txBody>
+                  <a:tcPr marL="9525" marR="9525" marT="9525" marB="9525" anchor="ctr"/>
+                </a:tc>
+                <a:extLst>
+                  <a:ext uri="{0D108BD9-81ED-4DB2-BD59-A6C34878D82A}">
+                    <a16:rowId xmlns:a16="http://schemas.microsoft.com/office/drawing/2014/main" val="2775260916"/>
+                  </a:ext>
+                </a:extLst>
+              </a:tr>
+            </a:tbl>
+          </a:graphicData>
+        </a:graphic>
+      </p:graphicFrame>
+    </p:spTree>
+    <p:extLst>
+      <p:ext uri="{BB962C8B-B14F-4D97-AF65-F5344CB8AC3E}">
+        <p14:creationId xmlns:p14="http://schemas.microsoft.com/office/powerpoint/2010/main" val="2800376049"/>
+      </p:ext>
+    </p:extLst>
+  </p:cSld>
+  <p:clrMapOvr>
+    <a:masterClrMapping/>
+  </p:clrMapOvr>
+</p:sld>
+</file>
+
+<file path=ppt/slides/slide4.xml><?xml version="1.0" encoding="utf-8"?>
+<p:sld xmlns:a="http://schemas.openxmlformats.org/drawingml/2006/main" xmlns:r="http://schemas.openxmlformats.org/officeDocument/2006/relationships" xmlns:p="http://schemas.openxmlformats.org/presentationml/2006/main">
+  <p:cSld>
+    <p:spTree>
+      <p:nvGrpSpPr>
+        <p:cNvPr id="1" name=""/>
+        <p:cNvGrpSpPr/>
+        <p:nvPr/>
+      </p:nvGrpSpPr>
+      <p:grpSpPr>
+        <a:xfrm>
+          <a:off x="0" y="0"/>
+          <a:ext cx="0" cy="0"/>
+          <a:chOff x="0" y="0"/>
+          <a:chExt cx="0" cy="0"/>
+        </a:xfrm>
+      </p:grpSpPr>
       <p:sp>
         <p:nvSpPr>
           <p:cNvPr id="2" name="Title 1"/>
@@ -16806,28 +18381,77 @@
           <a:lstStyle/>
           <a:p>
             <a:r>
+              <a:rPr dirty="0"/>
               <a:t>Containers: Organize blobs within a storage account.</a:t>
             </a:r>
           </a:p>
           <a:p>
             <a:r>
+              <a:rPr dirty="0"/>
               <a:t>Blobs Types:</a:t>
             </a:r>
           </a:p>
           <a:p>
             <a:r>
+              <a:rPr dirty="0"/>
               <a:t> - Block Blobs: Store text and binary files, optimized for streaming.</a:t>
             </a:r>
           </a:p>
           <a:p>
             <a:r>
+              <a:rPr dirty="0"/>
               <a:t> - Append Blobs: Optimized for append operations (e.g., logging).</a:t>
             </a:r>
           </a:p>
           <a:p>
             <a:r>
+              <a:rPr dirty="0"/>
               <a:t> - Page Blobs: Optimized for random read/write operations (e.g., VHDs).</a:t>
             </a:r>
+            <a:endParaRPr lang="en-US" dirty="0"/>
+          </a:p>
+          <a:p>
+            <a:r>
+              <a:rPr lang="en-IN" b="1" dirty="0"/>
+              <a:t>Use Cases:</a:t>
+            </a:r>
+            <a:endParaRPr lang="en-IN" dirty="0"/>
+          </a:p>
+          <a:p>
+            <a:pPr lvl="1"/>
+            <a:r>
+              <a:rPr lang="en-IN" b="1" dirty="0"/>
+              <a:t>Block Blob:</a:t>
+            </a:r>
+            <a:r>
+              <a:rPr lang="en-IN" dirty="0"/>
+              <a:t> CSV, JSON, images, backups, data lakes.</a:t>
+            </a:r>
+          </a:p>
+          <a:p>
+            <a:pPr lvl="1"/>
+            <a:r>
+              <a:rPr lang="en-IN" b="1" dirty="0"/>
+              <a:t>Append Blob:</a:t>
+            </a:r>
+            <a:r>
+              <a:rPr lang="en-IN" dirty="0"/>
+              <a:t> Application logs, IoT sensor streams.</a:t>
+            </a:r>
+          </a:p>
+          <a:p>
+            <a:pPr lvl="1"/>
+            <a:r>
+              <a:rPr lang="en-IN" b="1" dirty="0"/>
+              <a:t>Page Blob:</a:t>
+            </a:r>
+            <a:r>
+              <a:rPr lang="en-IN" dirty="0"/>
+              <a:t> VM disks, high-performance random-access storage.</a:t>
+            </a:r>
+          </a:p>
+          <a:p>
+            <a:endParaRPr dirty="0"/>
           </a:p>
         </p:txBody>
       </p:sp>
@@ -16839,7 +18463,7 @@
 </p:sld>
 </file>
 
-<file path=ppt/slides/slide4.xml><?xml version="1.0" encoding="utf-8"?>
+<file path=ppt/slides/slide5.xml><?xml version="1.0" encoding="utf-8"?>
 <p:sld xmlns:a="http://schemas.openxmlformats.org/drawingml/2006/main" xmlns:r="http://schemas.openxmlformats.org/officeDocument/2006/relationships" xmlns:p="http://schemas.openxmlformats.org/presentationml/2006/main">
   <p:cSld>
     <p:spTree>
@@ -16921,7 +18545,7 @@
 </p:sld>
 </file>
 
-<file path=ppt/slides/slide5.xml><?xml version="1.0" encoding="utf-8"?>
+<file path=ppt/slides/slide6.xml><?xml version="1.0" encoding="utf-8"?>
 <p:sld xmlns:a="http://schemas.openxmlformats.org/drawingml/2006/main" xmlns:r="http://schemas.openxmlformats.org/officeDocument/2006/relationships" xmlns:p="http://schemas.openxmlformats.org/presentationml/2006/main">
   <p:cSld>
     <p:spTree>
@@ -17003,7 +18627,7 @@
 </p:sld>
 </file>
 
-<file path=ppt/slides/slide6.xml><?xml version="1.0" encoding="utf-8"?>
+<file path=ppt/slides/slide7.xml><?xml version="1.0" encoding="utf-8"?>
 <p:sld xmlns:a="http://schemas.openxmlformats.org/drawingml/2006/main" xmlns:r="http://schemas.openxmlformats.org/officeDocument/2006/relationships" xmlns:p="http://schemas.openxmlformats.org/presentationml/2006/main">
   <p:cSld>
     <p:spTree>
@@ -17051,19 +18675,84 @@
             <p:ph idx="1"/>
           </p:nvPr>
         </p:nvSpPr>
-        <p:spPr/>
+        <p:spPr>
+          <a:xfrm>
+            <a:off x="768096" y="2285999"/>
+            <a:ext cx="7290055" cy="4731027"/>
+          </a:xfrm>
+        </p:spPr>
         <p:txBody>
-          <a:bodyPr/>
+          <a:bodyPr>
+            <a:normAutofit/>
+          </a:bodyPr>
           <a:lstStyle/>
           <a:p>
             <a:r>
+              <a:rPr dirty="0"/>
               <a:t>Table Storage: NoSQL key-attribute store, highly scalable.</a:t>
+            </a:r>
+            <a:endParaRPr lang="en-US" dirty="0"/>
+          </a:p>
+          <a:p>
+            <a:r>
+              <a:rPr lang="en-IN" b="1" dirty="0"/>
+              <a:t>Purpose:</a:t>
+            </a:r>
+            <a:r>
+              <a:rPr lang="en-IN" dirty="0"/>
+              <a:t> Stores structured data for fast retrieval.</a:t>
+            </a:r>
+            <a:endParaRPr lang="en-US" dirty="0"/>
+          </a:p>
+          <a:p>
+            <a:r>
+              <a:rPr lang="en-US" b="1" dirty="0"/>
+              <a:t>Use Cases:</a:t>
+            </a:r>
+            <a:endParaRPr lang="en-US" dirty="0"/>
+          </a:p>
+          <a:p>
+            <a:r>
+              <a:rPr lang="en-US" dirty="0"/>
+              <a:t>Storing metadata for files.</a:t>
             </a:r>
           </a:p>
           <a:p>
             <a:r>
+              <a:rPr lang="en-US" dirty="0"/>
+              <a:t>Session storage for web apps.</a:t>
+            </a:r>
+          </a:p>
+          <a:p>
+            <a:r>
+              <a:rPr lang="en-US" dirty="0"/>
+              <a:t>Lightweight database scenarios.</a:t>
+            </a:r>
+            <a:endParaRPr dirty="0"/>
+          </a:p>
+          <a:p>
+            <a:r>
+              <a:rPr dirty="0"/>
               <a:t>Queue Storage: Reliable message queuing for async workflows.</a:t>
             </a:r>
+            <a:endParaRPr lang="en-US" dirty="0"/>
+          </a:p>
+          <a:p>
+            <a:r>
+              <a:rPr lang="en-IN" b="1" dirty="0"/>
+              <a:t>Purpose:</a:t>
+            </a:r>
+            <a:r>
+              <a:rPr lang="en-IN" dirty="0"/>
+              <a:t> Decouples application components; supports producer-consumer scenarios</a:t>
+            </a:r>
+          </a:p>
+          <a:p>
+            <a:r>
+              <a:rPr lang="en-US" dirty="0"/>
+              <a:t>Use Cases: Sending messages between microservices. Processing jobs asynchronously (e.g., image processing pipeline).</a:t>
+            </a:r>
+            <a:endParaRPr dirty="0"/>
           </a:p>
         </p:txBody>
       </p:sp>
@@ -17075,7 +18764,7 @@
 </p:sld>
 </file>
 
-<file path=ppt/slides/slide7.xml><?xml version="1.0" encoding="utf-8"?>
+<file path=ppt/slides/slide8.xml><?xml version="1.0" encoding="utf-8"?>
 <p:sld xmlns:a="http://schemas.openxmlformats.org/drawingml/2006/main" xmlns:r="http://schemas.openxmlformats.org/officeDocument/2006/relationships" xmlns:p="http://schemas.openxmlformats.org/presentationml/2006/main">
   <p:cSld>
     <p:spTree>
@@ -17129,26 +18818,99 @@
           <a:lstStyle/>
           <a:p>
             <a:r>
+              <a:rPr dirty="0"/>
               <a:t>Fully managed file shares in the cloud.</a:t>
             </a:r>
           </a:p>
           <a:p>
             <a:r>
-              <a:t>Supports SMB protocol for Windows/Linux.</a:t>
+              <a:rPr dirty="0"/>
+              <a:t>Supports SMB</a:t>
+            </a:r>
+            <a:r>
+              <a:rPr lang="en-US" dirty="0"/>
+              <a:t>(</a:t>
+            </a:r>
+            <a:r>
+              <a:rPr lang="en-IN" dirty="0"/>
+              <a:t>Server Message Block</a:t>
+            </a:r>
+            <a:r>
+              <a:rPr lang="en-US" dirty="0"/>
+              <a:t>)</a:t>
+            </a:r>
+            <a:r>
+              <a:rPr dirty="0"/>
+              <a:t> protocol for Windows/Linux.</a:t>
             </a:r>
           </a:p>
           <a:p>
             <a:r>
-              <a:t>NFS protocol support for Linux workloads.</a:t>
+              <a:rPr dirty="0"/>
+              <a:t>NFS</a:t>
+            </a:r>
+            <a:r>
+              <a:rPr lang="en-US" dirty="0"/>
+              <a:t>(</a:t>
+            </a:r>
+            <a:r>
+              <a:rPr lang="en-IN" dirty="0"/>
+              <a:t>Network File System</a:t>
+            </a:r>
+            <a:r>
+              <a:rPr lang="en-US" dirty="0"/>
+              <a:t>)</a:t>
+            </a:r>
+            <a:r>
+              <a:rPr dirty="0"/>
+              <a:t> protocol support for Linux workloads.</a:t>
             </a:r>
           </a:p>
           <a:p>
             <a:r>
+              <a:rPr dirty="0"/>
               <a:t>Can be mounted concurrently by cloud/on-premises machines.</a:t>
             </a:r>
+            <a:endParaRPr lang="en-US" dirty="0"/>
+          </a:p>
+          <a:p>
+            <a:endParaRPr lang="en-IN" dirty="0"/>
+          </a:p>
+          <a:p>
+            <a:endParaRPr dirty="0"/>
           </a:p>
         </p:txBody>
       </p:sp>
+      <p:pic>
+        <p:nvPicPr>
+          <p:cNvPr id="5" name="Picture 4">
+            <a:extLst>
+              <a:ext uri="{FF2B5EF4-FFF2-40B4-BE49-F238E27FC236}">
+                <a16:creationId xmlns:a16="http://schemas.microsoft.com/office/drawing/2014/main" id="{A46AD552-BB62-C9D4-CB2F-1AE7D827E662}"/>
+              </a:ext>
+            </a:extLst>
+          </p:cNvPr>
+          <p:cNvPicPr>
+            <a:picLocks noChangeAspect="1"/>
+          </p:cNvPicPr>
+          <p:nvPr/>
+        </p:nvPicPr>
+        <p:blipFill>
+          <a:blip r:embed="rId2"/>
+          <a:stretch>
+            <a:fillRect/>
+          </a:stretch>
+        </p:blipFill>
+        <p:spPr>
+          <a:xfrm>
+            <a:off x="360235" y="4297680"/>
+            <a:ext cx="8105775" cy="2390775"/>
+          </a:xfrm>
+          <a:prstGeom prst="rect">
+            <a:avLst/>
+          </a:prstGeom>
+        </p:spPr>
+      </p:pic>
     </p:spTree>
   </p:cSld>
   <p:clrMapOvr>
@@ -17157,7 +18919,7 @@
 </p:sld>
 </file>
 
-<file path=ppt/slides/slide8.xml><?xml version="1.0" encoding="utf-8"?>
+<file path=ppt/slides/slide9.xml><?xml version="1.0" encoding="utf-8"?>
 <p:sld xmlns:a="http://schemas.openxmlformats.org/drawingml/2006/main" xmlns:r="http://schemas.openxmlformats.org/officeDocument/2006/relationships" xmlns:p="http://schemas.openxmlformats.org/presentationml/2006/main">
   <p:cSld>
     <p:spTree>
@@ -17211,99 +18973,36 @@
           <a:lstStyle/>
           <a:p>
             <a:r>
+              <a:rPr dirty="0"/>
               <a:t>Shared Key: Full account access with keys.</a:t>
             </a:r>
           </a:p>
           <a:p>
             <a:r>
-              <a:t>SAS Tokens: Granular, time-limited access to resources.</a:t>
+              <a:rPr dirty="0"/>
+              <a:t>SAS</a:t>
+            </a:r>
+            <a:r>
+              <a:rPr lang="en-US" dirty="0"/>
+              <a:t>(</a:t>
+            </a:r>
+            <a:r>
+              <a:rPr lang="en-IN" dirty="0"/>
+              <a:t>Shared Access Signature</a:t>
+            </a:r>
+            <a:r>
+              <a:rPr lang="en-US" dirty="0"/>
+              <a:t>)</a:t>
+            </a:r>
+            <a:r>
+              <a:rPr dirty="0"/>
+              <a:t> Tokens: Granular, time-limited access to resources.</a:t>
             </a:r>
           </a:p>
           <a:p>
             <a:r>
+              <a:rPr dirty="0"/>
               <a:t>Azure AD Integration: Identity-based access for users and apps.</a:t>
-            </a:r>
-          </a:p>
-        </p:txBody>
-      </p:sp>
-    </p:spTree>
-  </p:cSld>
-  <p:clrMapOvr>
-    <a:masterClrMapping/>
-  </p:clrMapOvr>
-</p:sld>
-</file>
-
-<file path=ppt/slides/slide9.xml><?xml version="1.0" encoding="utf-8"?>
-<p:sld xmlns:a="http://schemas.openxmlformats.org/drawingml/2006/main" xmlns:r="http://schemas.openxmlformats.org/officeDocument/2006/relationships" xmlns:p="http://schemas.openxmlformats.org/presentationml/2006/main">
-  <p:cSld>
-    <p:spTree>
-      <p:nvGrpSpPr>
-        <p:cNvPr id="1" name=""/>
-        <p:cNvGrpSpPr/>
-        <p:nvPr/>
-      </p:nvGrpSpPr>
-      <p:grpSpPr>
-        <a:xfrm>
-          <a:off x="0" y="0"/>
-          <a:ext cx="0" cy="0"/>
-          <a:chOff x="0" y="0"/>
-          <a:chExt cx="0" cy="0"/>
-        </a:xfrm>
-      </p:grpSpPr>
-      <p:sp>
-        <p:nvSpPr>
-          <p:cNvPr id="2" name="Title 1"/>
-          <p:cNvSpPr>
-            <a:spLocks noGrp="1"/>
-          </p:cNvSpPr>
-          <p:nvPr>
-            <p:ph type="title"/>
-          </p:nvPr>
-        </p:nvSpPr>
-        <p:spPr/>
-        <p:txBody>
-          <a:bodyPr/>
-          <a:lstStyle/>
-          <a:p>
-            <a:r>
-              <a:t>RBAC Roles for Storage</a:t>
-            </a:r>
-          </a:p>
-        </p:txBody>
-      </p:sp>
-      <p:sp>
-        <p:nvSpPr>
-          <p:cNvPr id="3" name="Content Placeholder 2"/>
-          <p:cNvSpPr>
-            <a:spLocks noGrp="1"/>
-          </p:cNvSpPr>
-          <p:nvPr>
-            <p:ph idx="1"/>
-          </p:nvPr>
-        </p:nvSpPr>
-        <p:spPr/>
-        <p:txBody>
-          <a:bodyPr/>
-          <a:lstStyle/>
-          <a:p>
-            <a:r>
-              <a:t>Storage Blob Data Owner: Full access to blob data.</a:t>
-            </a:r>
-          </a:p>
-          <a:p>
-            <a:r>
-              <a:t>Storage Blob Data Contributor: Read/write/delete blobs.</a:t>
-            </a:r>
-          </a:p>
-          <a:p>
-            <a:r>
-              <a:t>Storage Blob Data Reader: Read-only access.</a:t>
-            </a:r>
-          </a:p>
-          <a:p>
-            <a:r>
-              <a:t>Storage Queue/Table/File roles also available.</a:t>
             </a:r>
           </a:p>
         </p:txBody>
